--- a/fapn/img/four_tasks.pptx
+++ b/fapn/img/four_tasks.pptx
@@ -107,6 +107,11 @@
       </a:defRPr>
     </a:lvl9pPr>
   </p:defaultTextStyle>
+  <p:extLst>
+    <p:ext uri="{EFAFB233-063F-42B5-8137-9DF3F51BA10A}">
+      <p15:sldGuideLst xmlns:p15="http://schemas.microsoft.com/office/powerpoint/2012/main"/>
+    </p:ext>
+  </p:extLst>
 </p:presentation>
 </file>
 
@@ -123,12 +128,12 @@
   <pc:docChgLst>
     <pc:chgData name="Huang shihua" userId="9b8b7e73f64f2f03" providerId="LiveId" clId="{95164879-C045-4DC6-A223-CCD1FE6ECC9D}"/>
     <pc:docChg chg="custSel addSld modSld">
-      <pc:chgData name="Huang shihua" userId="9b8b7e73f64f2f03" providerId="LiveId" clId="{95164879-C045-4DC6-A223-CCD1FE6ECC9D}" dt="2021-09-03T09:59:04.219" v="422" actId="1036"/>
+      <pc:chgData name="Huang shihua" userId="9b8b7e73f64f2f03" providerId="LiveId" clId="{95164879-C045-4DC6-A223-CCD1FE6ECC9D}" dt="2021-09-03T10:11:51.899" v="430" actId="1038"/>
       <pc:docMkLst>
         <pc:docMk/>
       </pc:docMkLst>
       <pc:sldChg chg="addSp delSp modSp new mod">
-        <pc:chgData name="Huang shihua" userId="9b8b7e73f64f2f03" providerId="LiveId" clId="{95164879-C045-4DC6-A223-CCD1FE6ECC9D}" dt="2021-09-03T09:59:04.219" v="422" actId="1036"/>
+        <pc:chgData name="Huang shihua" userId="9b8b7e73f64f2f03" providerId="LiveId" clId="{95164879-C045-4DC6-A223-CCD1FE6ECC9D}" dt="2021-09-03T10:11:51.899" v="430" actId="1038"/>
         <pc:sldMkLst>
           <pc:docMk/>
           <pc:sldMk cId="3002267299" sldId="256"/>
@@ -150,7 +155,7 @@
           </ac:spMkLst>
         </pc:spChg>
         <pc:spChg chg="add mod">
-          <ac:chgData name="Huang shihua" userId="9b8b7e73f64f2f03" providerId="LiveId" clId="{95164879-C045-4DC6-A223-CCD1FE6ECC9D}" dt="2021-09-03T09:59:04.219" v="422" actId="1036"/>
+          <ac:chgData name="Huang shihua" userId="9b8b7e73f64f2f03" providerId="LiveId" clId="{95164879-C045-4DC6-A223-CCD1FE6ECC9D}" dt="2021-09-03T10:11:30.685" v="424" actId="14100"/>
           <ac:spMkLst>
             <pc:docMk/>
             <pc:sldMk cId="3002267299" sldId="256"/>
@@ -158,7 +163,7 @@
           </ac:spMkLst>
         </pc:spChg>
         <pc:spChg chg="add mod">
-          <ac:chgData name="Huang shihua" userId="9b8b7e73f64f2f03" providerId="LiveId" clId="{95164879-C045-4DC6-A223-CCD1FE6ECC9D}" dt="2021-09-03T09:59:04.219" v="422" actId="1036"/>
+          <ac:chgData name="Huang shihua" userId="9b8b7e73f64f2f03" providerId="LiveId" clId="{95164879-C045-4DC6-A223-CCD1FE6ECC9D}" dt="2021-09-03T10:11:51.899" v="430" actId="1038"/>
           <ac:spMkLst>
             <pc:docMk/>
             <pc:sldMk cId="3002267299" sldId="256"/>
@@ -166,7 +171,7 @@
           </ac:spMkLst>
         </pc:spChg>
         <pc:spChg chg="add mod">
-          <ac:chgData name="Huang shihua" userId="9b8b7e73f64f2f03" providerId="LiveId" clId="{95164879-C045-4DC6-A223-CCD1FE6ECC9D}" dt="2021-09-03T09:59:04.219" v="422" actId="1036"/>
+          <ac:chgData name="Huang shihua" userId="9b8b7e73f64f2f03" providerId="LiveId" clId="{95164879-C045-4DC6-A223-CCD1FE6ECC9D}" dt="2021-09-03T10:11:32.642" v="425" actId="403"/>
           <ac:spMkLst>
             <pc:docMk/>
             <pc:sldMk cId="3002267299" sldId="256"/>
@@ -174,7 +179,7 @@
           </ac:spMkLst>
         </pc:spChg>
         <pc:spChg chg="add mod">
-          <ac:chgData name="Huang shihua" userId="9b8b7e73f64f2f03" providerId="LiveId" clId="{95164879-C045-4DC6-A223-CCD1FE6ECC9D}" dt="2021-09-03T09:59:04.219" v="422" actId="1036"/>
+          <ac:chgData name="Huang shihua" userId="9b8b7e73f64f2f03" providerId="LiveId" clId="{95164879-C045-4DC6-A223-CCD1FE6ECC9D}" dt="2021-09-03T10:11:43.718" v="428" actId="403"/>
           <ac:spMkLst>
             <pc:docMk/>
             <pc:sldMk cId="3002267299" sldId="256"/>
@@ -3654,7 +3659,7 @@
         <p:spPr>
           <a:xfrm>
             <a:off x="3209231" y="2441118"/>
-            <a:ext cx="1923401" cy="338554"/>
+            <a:ext cx="2318733" cy="369332"/>
           </a:xfrm>
           <a:prstGeom prst="rect">
             <a:avLst/>
@@ -3668,13 +3673,13 @@
           <a:lstStyle/>
           <a:p>
             <a:r>
-              <a:rPr lang="en-US" altLang="zh-CN" sz="1600" b="1" dirty="0">
+              <a:rPr lang="en-US" altLang="zh-CN" b="1" dirty="0">
                 <a:latin typeface="Arial" panose="020B0604020202020204" pitchFamily="34" charset="0"/>
                 <a:cs typeface="Arial" panose="020B0604020202020204" pitchFamily="34" charset="0"/>
               </a:rPr>
               <a:t>Object detection</a:t>
             </a:r>
-            <a:endParaRPr lang="zh-CN" altLang="en-US" sz="1600" b="1" dirty="0">
+            <a:endParaRPr lang="zh-CN" altLang="en-US" b="1" dirty="0">
               <a:latin typeface="Arial" panose="020B0604020202020204" pitchFamily="34" charset="0"/>
               <a:cs typeface="Arial" panose="020B0604020202020204" pitchFamily="34" charset="0"/>
             </a:endParaRPr>
@@ -3695,8 +3700,8 @@
         </p:nvSpPr>
         <p:spPr>
           <a:xfrm>
-            <a:off x="3165686" y="5996886"/>
-            <a:ext cx="2503958" cy="338554"/>
+            <a:off x="2982191" y="5996886"/>
+            <a:ext cx="2708235" cy="369332"/>
           </a:xfrm>
           <a:prstGeom prst="rect">
             <a:avLst/>
@@ -3710,13 +3715,13 @@
           <a:lstStyle/>
           <a:p>
             <a:r>
-              <a:rPr lang="en-US" altLang="zh-CN" sz="1600" b="1" dirty="0">
+              <a:rPr lang="en-US" altLang="zh-CN" b="1" dirty="0">
                 <a:latin typeface="Arial" panose="020B0604020202020204" pitchFamily="34" charset="0"/>
                 <a:cs typeface="Arial" panose="020B0604020202020204" pitchFamily="34" charset="0"/>
               </a:rPr>
               <a:t>Instance segmentation</a:t>
             </a:r>
-            <a:endParaRPr lang="zh-CN" altLang="en-US" sz="1600" b="1" dirty="0">
+            <a:endParaRPr lang="zh-CN" altLang="en-US" b="1" dirty="0">
               <a:latin typeface="Arial" panose="020B0604020202020204" pitchFamily="34" charset="0"/>
               <a:cs typeface="Arial" panose="020B0604020202020204" pitchFamily="34" charset="0"/>
             </a:endParaRPr>
@@ -3768,7 +3773,7 @@
         <p:spPr>
           <a:xfrm>
             <a:off x="11063730" y="2441118"/>
-            <a:ext cx="3053687" cy="338554"/>
+            <a:ext cx="3053687" cy="369332"/>
           </a:xfrm>
           <a:prstGeom prst="rect">
             <a:avLst/>
@@ -3782,13 +3787,13 @@
           <a:lstStyle/>
           <a:p>
             <a:r>
-              <a:rPr lang="en-US" altLang="zh-CN" sz="1600" b="1" dirty="0">
+              <a:rPr lang="en-US" altLang="zh-CN" b="1" dirty="0">
                 <a:latin typeface="Arial" panose="020B0604020202020204" pitchFamily="34" charset="0"/>
                 <a:cs typeface="Arial" panose="020B0604020202020204" pitchFamily="34" charset="0"/>
               </a:rPr>
               <a:t>Semantic segmentation</a:t>
             </a:r>
-            <a:endParaRPr lang="zh-CN" altLang="en-US" sz="1600" b="1" dirty="0">
+            <a:endParaRPr lang="zh-CN" altLang="en-US" b="1" dirty="0">
               <a:latin typeface="Arial" panose="020B0604020202020204" pitchFamily="34" charset="0"/>
               <a:cs typeface="Arial" panose="020B0604020202020204" pitchFamily="34" charset="0"/>
             </a:endParaRPr>
@@ -3810,7 +3815,7 @@
         <p:spPr>
           <a:xfrm>
             <a:off x="11107272" y="5996886"/>
-            <a:ext cx="3053687" cy="338554"/>
+            <a:ext cx="3053687" cy="369332"/>
           </a:xfrm>
           <a:prstGeom prst="rect">
             <a:avLst/>
@@ -3824,13 +3829,13 @@
           <a:lstStyle/>
           <a:p>
             <a:r>
-              <a:rPr lang="en-US" altLang="zh-CN" sz="1600" b="1" dirty="0">
+              <a:rPr lang="en-US" altLang="zh-CN" b="1" dirty="0">
                 <a:latin typeface="Arial" panose="020B0604020202020204" pitchFamily="34" charset="0"/>
                 <a:cs typeface="Arial" panose="020B0604020202020204" pitchFamily="34" charset="0"/>
               </a:rPr>
               <a:t>Panoptic segmentation</a:t>
             </a:r>
-            <a:endParaRPr lang="zh-CN" altLang="en-US" sz="1600" b="1" dirty="0">
+            <a:endParaRPr lang="zh-CN" altLang="en-US" b="1" dirty="0">
               <a:latin typeface="Arial" panose="020B0604020202020204" pitchFamily="34" charset="0"/>
               <a:cs typeface="Arial" panose="020B0604020202020204" pitchFamily="34" charset="0"/>
             </a:endParaRPr>
